--- a/doc/Slideshow Presentation.pptx
+++ b/doc/Slideshow Presentation.pptx
@@ -12,8 +12,14 @@
     <p:sldId id="262" r:id="rId6"/>
     <p:sldId id="265" r:id="rId7"/>
     <p:sldId id="263" r:id="rId8"/>
-    <p:sldId id="258" r:id="rId9"/>
-    <p:sldId id="264" r:id="rId10"/>
+    <p:sldId id="266" r:id="rId9"/>
+    <p:sldId id="258" r:id="rId10"/>
+    <p:sldId id="267" r:id="rId11"/>
+    <p:sldId id="268" r:id="rId12"/>
+    <p:sldId id="269" r:id="rId13"/>
+    <p:sldId id="270" r:id="rId14"/>
+    <p:sldId id="264" r:id="rId15"/>
+    <p:sldId id="271" r:id="rId16"/>
   </p:sldIdLst>
   <p:sldSz cx="12192000" cy="6858000"/>
   <p:notesSz cx="6858000" cy="9144000"/>
@@ -112,6 +118,11 @@
       </a:defRPr>
     </a:lvl9pPr>
   </p:defaultTextStyle>
+  <p:extLst>
+    <p:ext uri="{EFAFB233-063F-42B5-8137-9DF3F51BA10A}">
+      <p15:sldGuideLst xmlns:p15="http://schemas.microsoft.com/office/powerpoint/2012/main"/>
+    </p:ext>
+  </p:extLst>
 </p:presentation>
 </file>
 
@@ -1258,6 +1269,13 @@
         </dgm:presLayoutVars>
       </dgm:prSet>
       <dgm:spPr/>
+      <dgm:t>
+        <a:bodyPr/>
+        <a:lstStyle/>
+        <a:p>
+          <a:endParaRPr lang="fr-CH"/>
+        </a:p>
+      </dgm:t>
     </dgm:pt>
     <dgm:pt modelId="{4B0AC60F-1EFB-4E76-96B0-C1D44ACA1EAC}" type="pres">
       <dgm:prSet presAssocID="{31AF01A0-9442-4123-9D88-3882CA85F256}" presName="parentLin" presStyleCnt="0"/>
@@ -1266,6 +1284,13 @@
     <dgm:pt modelId="{B9EDE648-D303-43F4-8A2C-0DB91756DEB1}" type="pres">
       <dgm:prSet presAssocID="{31AF01A0-9442-4123-9D88-3882CA85F256}" presName="parentLeftMargin" presStyleLbl="node1" presStyleIdx="0" presStyleCnt="4"/>
       <dgm:spPr/>
+      <dgm:t>
+        <a:bodyPr/>
+        <a:lstStyle/>
+        <a:p>
+          <a:endParaRPr lang="fr-CH"/>
+        </a:p>
+      </dgm:t>
     </dgm:pt>
     <dgm:pt modelId="{FEA90938-4807-4961-AB40-A9C44AE7ECC8}" type="pres">
       <dgm:prSet presAssocID="{31AF01A0-9442-4123-9D88-3882CA85F256}" presName="parentText" presStyleLbl="node1" presStyleIdx="0" presStyleCnt="4">
@@ -1275,6 +1300,13 @@
         </dgm:presLayoutVars>
       </dgm:prSet>
       <dgm:spPr/>
+      <dgm:t>
+        <a:bodyPr/>
+        <a:lstStyle/>
+        <a:p>
+          <a:endParaRPr lang="fr-CH"/>
+        </a:p>
+      </dgm:t>
     </dgm:pt>
     <dgm:pt modelId="{2EADE7DF-BD90-4367-BFBC-F33E177884BD}" type="pres">
       <dgm:prSet presAssocID="{31AF01A0-9442-4123-9D88-3882CA85F256}" presName="negativeSpace" presStyleCnt="0"/>
@@ -1287,6 +1319,13 @@
         </dgm:presLayoutVars>
       </dgm:prSet>
       <dgm:spPr/>
+      <dgm:t>
+        <a:bodyPr/>
+        <a:lstStyle/>
+        <a:p>
+          <a:endParaRPr lang="fr-CH"/>
+        </a:p>
+      </dgm:t>
     </dgm:pt>
     <dgm:pt modelId="{85ED2B13-C0EC-4F1D-A68D-BF6024BF09CA}" type="pres">
       <dgm:prSet presAssocID="{4A170346-AF23-41BF-B4A2-01BCCB242004}" presName="spaceBetweenRectangles" presStyleCnt="0"/>
@@ -1299,6 +1338,13 @@
     <dgm:pt modelId="{501C88FB-5501-44E9-8416-06B7BC69A540}" type="pres">
       <dgm:prSet presAssocID="{96BAC79E-76D0-48E5-BDAC-D6CDE81B7BCB}" presName="parentLeftMargin" presStyleLbl="node1" presStyleIdx="0" presStyleCnt="4"/>
       <dgm:spPr/>
+      <dgm:t>
+        <a:bodyPr/>
+        <a:lstStyle/>
+        <a:p>
+          <a:endParaRPr lang="fr-CH"/>
+        </a:p>
+      </dgm:t>
     </dgm:pt>
     <dgm:pt modelId="{3199F0BC-6918-44E4-871F-53F45F21AB18}" type="pres">
       <dgm:prSet presAssocID="{96BAC79E-76D0-48E5-BDAC-D6CDE81B7BCB}" presName="parentText" presStyleLbl="node1" presStyleIdx="1" presStyleCnt="4">
@@ -1308,6 +1354,13 @@
         </dgm:presLayoutVars>
       </dgm:prSet>
       <dgm:spPr/>
+      <dgm:t>
+        <a:bodyPr/>
+        <a:lstStyle/>
+        <a:p>
+          <a:endParaRPr lang="fr-CH"/>
+        </a:p>
+      </dgm:t>
     </dgm:pt>
     <dgm:pt modelId="{E9DDCDB9-153B-4945-AFAE-FB57A369EDD4}" type="pres">
       <dgm:prSet presAssocID="{96BAC79E-76D0-48E5-BDAC-D6CDE81B7BCB}" presName="negativeSpace" presStyleCnt="0"/>
@@ -1339,6 +1392,13 @@
     <dgm:pt modelId="{9A38492B-4DDA-4B19-8967-4B8797779B0A}" type="pres">
       <dgm:prSet presAssocID="{575587AB-1A18-4B15-A0AD-77B2982D545D}" presName="parentLeftMargin" presStyleLbl="node1" presStyleIdx="1" presStyleCnt="4"/>
       <dgm:spPr/>
+      <dgm:t>
+        <a:bodyPr/>
+        <a:lstStyle/>
+        <a:p>
+          <a:endParaRPr lang="fr-CH"/>
+        </a:p>
+      </dgm:t>
     </dgm:pt>
     <dgm:pt modelId="{3EE36C60-98FD-43D7-A62B-0CA63B734D44}" type="pres">
       <dgm:prSet presAssocID="{575587AB-1A18-4B15-A0AD-77B2982D545D}" presName="parentText" presStyleLbl="node1" presStyleIdx="2" presStyleCnt="4">
@@ -1348,6 +1408,13 @@
         </dgm:presLayoutVars>
       </dgm:prSet>
       <dgm:spPr/>
+      <dgm:t>
+        <a:bodyPr/>
+        <a:lstStyle/>
+        <a:p>
+          <a:endParaRPr lang="fr-CH"/>
+        </a:p>
+      </dgm:t>
     </dgm:pt>
     <dgm:pt modelId="{DACA3028-A0C9-4E0A-8066-411CC59F775F}" type="pres">
       <dgm:prSet presAssocID="{575587AB-1A18-4B15-A0AD-77B2982D545D}" presName="negativeSpace" presStyleCnt="0"/>
@@ -1360,6 +1427,13 @@
         </dgm:presLayoutVars>
       </dgm:prSet>
       <dgm:spPr/>
+      <dgm:t>
+        <a:bodyPr/>
+        <a:lstStyle/>
+        <a:p>
+          <a:endParaRPr lang="fr-CH"/>
+        </a:p>
+      </dgm:t>
     </dgm:pt>
     <dgm:pt modelId="{1AFD31C3-37A9-4A07-A842-1F4AC7552C2F}" type="pres">
       <dgm:prSet presAssocID="{A39235E6-0F35-4AFC-A1A4-8B208B5FE99E}" presName="spaceBetweenRectangles" presStyleCnt="0"/>
@@ -1372,6 +1446,13 @@
     <dgm:pt modelId="{F3078009-C750-4507-B739-3658E97334B0}" type="pres">
       <dgm:prSet presAssocID="{AF9673CD-F0CA-4E58-8864-8CFA8996B20F}" presName="parentLeftMargin" presStyleLbl="node1" presStyleIdx="2" presStyleCnt="4"/>
       <dgm:spPr/>
+      <dgm:t>
+        <a:bodyPr/>
+        <a:lstStyle/>
+        <a:p>
+          <a:endParaRPr lang="fr-CH"/>
+        </a:p>
+      </dgm:t>
     </dgm:pt>
     <dgm:pt modelId="{7122ECE8-D08D-4C67-B543-D989BF960590}" type="pres">
       <dgm:prSet presAssocID="{AF9673CD-F0CA-4E58-8864-8CFA8996B20F}" presName="parentText" presStyleLbl="node1" presStyleIdx="3" presStyleCnt="4">
@@ -1400,33 +1481,40 @@
         </dgm:presLayoutVars>
       </dgm:prSet>
       <dgm:spPr/>
+      <dgm:t>
+        <a:bodyPr/>
+        <a:lstStyle/>
+        <a:p>
+          <a:endParaRPr lang="fr-CH"/>
+        </a:p>
+      </dgm:t>
     </dgm:pt>
   </dgm:ptLst>
   <dgm:cxnLst>
-    <dgm:cxn modelId="{C9DB4065-34C0-4109-8ABF-349142010883}" srcId="{575587AB-1A18-4B15-A0AD-77B2982D545D}" destId="{554A886D-A328-4CF7-9FA3-4C9156EBDEAD}" srcOrd="0" destOrd="0" parTransId="{24BB647A-96C0-496A-A22B-5479681CC279}" sibTransId="{123E20C9-EDB5-4CBE-9001-7792C7638CF8}"/>
-    <dgm:cxn modelId="{10EEE950-B979-4BDE-8E48-FD370B766802}" type="presOf" srcId="{AF9673CD-F0CA-4E58-8864-8CFA8996B20F}" destId="{7122ECE8-D08D-4C67-B543-D989BF960590}" srcOrd="1" destOrd="0" presId="urn:microsoft.com/office/officeart/2005/8/layout/list1"/>
-    <dgm:cxn modelId="{5B0665CF-BC49-4B2C-82DC-D8DD0B6D55B6}" srcId="{C6613250-AD49-4031-87AB-FDD0664152C0}" destId="{96BAC79E-76D0-48E5-BDAC-D6CDE81B7BCB}" srcOrd="1" destOrd="0" parTransId="{64898DE1-48C6-43D3-A062-F14D868F52AF}" sibTransId="{BBCCE244-3FC7-4C45-86AF-71BC80D32A2F}"/>
-    <dgm:cxn modelId="{B9F44AF7-A613-48A7-829F-96A7221A753B}" srcId="{575587AB-1A18-4B15-A0AD-77B2982D545D}" destId="{723E4FB2-D7D6-4B8C-90D8-7A148E04963B}" srcOrd="1" destOrd="0" parTransId="{9E092FE3-BE44-43C4-9051-C3EAEF7C27C7}" sibTransId="{D7083A29-0667-43F2-8476-CADAB005C3E7}"/>
-    <dgm:cxn modelId="{01F87F22-9E6A-465A-9804-6EB4ABD27DEE}" srcId="{AF9673CD-F0CA-4E58-8864-8CFA8996B20F}" destId="{FEF4C3E2-3DE2-41FB-BF8C-C7539FFECE5A}" srcOrd="0" destOrd="0" parTransId="{345C6FBC-8F36-4FCE-9649-352B3D1F19AE}" sibTransId="{FD4642EA-7FAF-4367-AED6-43862033AFC0}"/>
-    <dgm:cxn modelId="{7300D4F0-E23C-4533-AEF0-E8707D7D06C1}" type="presOf" srcId="{96BAC79E-76D0-48E5-BDAC-D6CDE81B7BCB}" destId="{501C88FB-5501-44E9-8416-06B7BC69A540}" srcOrd="0" destOrd="0" presId="urn:microsoft.com/office/officeart/2005/8/layout/list1"/>
+    <dgm:cxn modelId="{41AC0600-975C-484D-8984-F1082F929656}" srcId="{C6613250-AD49-4031-87AB-FDD0664152C0}" destId="{575587AB-1A18-4B15-A0AD-77B2982D545D}" srcOrd="2" destOrd="0" parTransId="{53F2905C-C067-49E2-A45F-0F2FD6AFE3BB}" sibTransId="{A39235E6-0F35-4AFC-A1A4-8B208B5FE99E}"/>
+    <dgm:cxn modelId="{A8F47BD2-C86E-4061-8ADA-A9B947BC6A34}" type="presOf" srcId="{5DC31E5E-2476-43C7-8A5A-4C2A095D7B42}" destId="{FD28B2F8-9BF6-42FC-9FC1-3EB26B8069B6}" srcOrd="0" destOrd="0" presId="urn:microsoft.com/office/officeart/2005/8/layout/list1"/>
+    <dgm:cxn modelId="{4CA6778A-6F42-4ECE-BE69-97B1A78A74C5}" srcId="{C6613250-AD49-4031-87AB-FDD0664152C0}" destId="{AF9673CD-F0CA-4E58-8864-8CFA8996B20F}" srcOrd="3" destOrd="0" parTransId="{D6137C6C-DF2A-48FB-97DB-813F716D1943}" sibTransId="{69C9F658-0B95-457D-BB7B-E8EFB1DFD4D9}"/>
+    <dgm:cxn modelId="{93704027-E77C-4734-9FB1-BDECD1D792B7}" type="presOf" srcId="{31AF01A0-9442-4123-9D88-3882CA85F256}" destId="{FEA90938-4807-4961-AB40-A9C44AE7ECC8}" srcOrd="1" destOrd="0" presId="urn:microsoft.com/office/officeart/2005/8/layout/list1"/>
     <dgm:cxn modelId="{43DEFFFE-94DF-4F75-9B79-1E701EA60096}" srcId="{96BAC79E-76D0-48E5-BDAC-D6CDE81B7BCB}" destId="{AFC46CDD-BFF5-456F-B11B-49731C2ED91D}" srcOrd="1" destOrd="0" parTransId="{19500069-AE9F-4335-A317-7CC699006865}" sibTransId="{5F064C8F-47D6-4394-8B7F-47F1952E6029}"/>
     <dgm:cxn modelId="{8AC91746-1E16-4637-8524-17FD48AA7ECE}" srcId="{96BAC79E-76D0-48E5-BDAC-D6CDE81B7BCB}" destId="{BF33407B-7802-485A-BEAF-999B91A5E209}" srcOrd="0" destOrd="0" parTransId="{32163317-58BB-4F32-8613-936BDE35D417}" sibTransId="{081572C8-3D1B-46F2-B753-0F8B09BDDD12}"/>
-    <dgm:cxn modelId="{4CA6778A-6F42-4ECE-BE69-97B1A78A74C5}" srcId="{C6613250-AD49-4031-87AB-FDD0664152C0}" destId="{AF9673CD-F0CA-4E58-8864-8CFA8996B20F}" srcOrd="3" destOrd="0" parTransId="{D6137C6C-DF2A-48FB-97DB-813F716D1943}" sibTransId="{69C9F658-0B95-457D-BB7B-E8EFB1DFD4D9}"/>
-    <dgm:cxn modelId="{41AC0600-975C-484D-8984-F1082F929656}" srcId="{C6613250-AD49-4031-87AB-FDD0664152C0}" destId="{575587AB-1A18-4B15-A0AD-77B2982D545D}" srcOrd="2" destOrd="0" parTransId="{53F2905C-C067-49E2-A45F-0F2FD6AFE3BB}" sibTransId="{A39235E6-0F35-4AFC-A1A4-8B208B5FE99E}"/>
+    <dgm:cxn modelId="{7A8350B3-D6FE-45B5-868B-FD72D8966650}" type="presOf" srcId="{BF33407B-7802-485A-BEAF-999B91A5E209}" destId="{DE4ADC67-9ACB-4999-968D-844B2EF89197}" srcOrd="0" destOrd="0" presId="urn:microsoft.com/office/officeart/2005/8/layout/list1"/>
+    <dgm:cxn modelId="{0FBCEB30-730E-486F-8C47-E8BE72301CC9}" type="presOf" srcId="{FEF4C3E2-3DE2-41FB-BF8C-C7539FFECE5A}" destId="{F881EF5A-2D5D-4A39-BAEA-B47595797641}" srcOrd="0" destOrd="0" presId="urn:microsoft.com/office/officeart/2005/8/layout/list1"/>
+    <dgm:cxn modelId="{3ACAE1DF-B0CC-49C7-A535-089FD5C7F335}" type="presOf" srcId="{AFC46CDD-BFF5-456F-B11B-49731C2ED91D}" destId="{DE4ADC67-9ACB-4999-968D-844B2EF89197}" srcOrd="0" destOrd="1" presId="urn:microsoft.com/office/officeart/2005/8/layout/list1"/>
+    <dgm:cxn modelId="{10EEE950-B979-4BDE-8E48-FD370B766802}" type="presOf" srcId="{AF9673CD-F0CA-4E58-8864-8CFA8996B20F}" destId="{7122ECE8-D08D-4C67-B543-D989BF960590}" srcOrd="1" destOrd="0" presId="urn:microsoft.com/office/officeart/2005/8/layout/list1"/>
+    <dgm:cxn modelId="{8E6E4D4E-5137-434E-B478-CFA0665D743A}" type="presOf" srcId="{554A886D-A328-4CF7-9FA3-4C9156EBDEAD}" destId="{31D1455B-C3D6-4BFD-B941-213DD8AC4762}" srcOrd="0" destOrd="0" presId="urn:microsoft.com/office/officeart/2005/8/layout/list1"/>
     <dgm:cxn modelId="{DC642358-E656-4B94-BF68-CC029397BCA3}" type="presOf" srcId="{575587AB-1A18-4B15-A0AD-77B2982D545D}" destId="{3EE36C60-98FD-43D7-A62B-0CA63B734D44}" srcOrd="1" destOrd="0" presId="urn:microsoft.com/office/officeart/2005/8/layout/list1"/>
+    <dgm:cxn modelId="{3EAF02EB-CCE1-4144-866D-39657EB3A6B7}" type="presOf" srcId="{AF9673CD-F0CA-4E58-8864-8CFA8996B20F}" destId="{F3078009-C750-4507-B739-3658E97334B0}" srcOrd="0" destOrd="0" presId="urn:microsoft.com/office/officeart/2005/8/layout/list1"/>
+    <dgm:cxn modelId="{278C2CE4-5997-4D1B-9207-DFF488293584}" srcId="{31AF01A0-9442-4123-9D88-3882CA85F256}" destId="{5DC31E5E-2476-43C7-8A5A-4C2A095D7B42}" srcOrd="0" destOrd="0" parTransId="{826F2E6E-7102-4F9E-86BC-92C1AF476196}" sibTransId="{EBDF32EB-A68D-4555-9ECC-DDD0AB733B53}"/>
+    <dgm:cxn modelId="{9C6ECF0D-B834-440B-A180-935FFBE85E6E}" type="presOf" srcId="{575587AB-1A18-4B15-A0AD-77B2982D545D}" destId="{9A38492B-4DDA-4B19-8967-4B8797779B0A}" srcOrd="0" destOrd="0" presId="urn:microsoft.com/office/officeart/2005/8/layout/list1"/>
+    <dgm:cxn modelId="{C9DB4065-34C0-4109-8ABF-349142010883}" srcId="{575587AB-1A18-4B15-A0AD-77B2982D545D}" destId="{554A886D-A328-4CF7-9FA3-4C9156EBDEAD}" srcOrd="0" destOrd="0" parTransId="{24BB647A-96C0-496A-A22B-5479681CC279}" sibTransId="{123E20C9-EDB5-4CBE-9001-7792C7638CF8}"/>
+    <dgm:cxn modelId="{5B0665CF-BC49-4B2C-82DC-D8DD0B6D55B6}" srcId="{C6613250-AD49-4031-87AB-FDD0664152C0}" destId="{96BAC79E-76D0-48E5-BDAC-D6CDE81B7BCB}" srcOrd="1" destOrd="0" parTransId="{64898DE1-48C6-43D3-A062-F14D868F52AF}" sibTransId="{BBCCE244-3FC7-4C45-86AF-71BC80D32A2F}"/>
+    <dgm:cxn modelId="{01F87F22-9E6A-465A-9804-6EB4ABD27DEE}" srcId="{AF9673CD-F0CA-4E58-8864-8CFA8996B20F}" destId="{FEF4C3E2-3DE2-41FB-BF8C-C7539FFECE5A}" srcOrd="0" destOrd="0" parTransId="{345C6FBC-8F36-4FCE-9649-352B3D1F19AE}" sibTransId="{FD4642EA-7FAF-4367-AED6-43862033AFC0}"/>
+    <dgm:cxn modelId="{CE10D698-DCF2-4C63-853F-3B92821A0470}" type="presOf" srcId="{723E4FB2-D7D6-4B8C-90D8-7A148E04963B}" destId="{31D1455B-C3D6-4BFD-B941-213DD8AC4762}" srcOrd="0" destOrd="1" presId="urn:microsoft.com/office/officeart/2005/8/layout/list1"/>
+    <dgm:cxn modelId="{7300D4F0-E23C-4533-AEF0-E8707D7D06C1}" type="presOf" srcId="{96BAC79E-76D0-48E5-BDAC-D6CDE81B7BCB}" destId="{501C88FB-5501-44E9-8416-06B7BC69A540}" srcOrd="0" destOrd="0" presId="urn:microsoft.com/office/officeart/2005/8/layout/list1"/>
+    <dgm:cxn modelId="{B9F44AF7-A613-48A7-829F-96A7221A753B}" srcId="{575587AB-1A18-4B15-A0AD-77B2982D545D}" destId="{723E4FB2-D7D6-4B8C-90D8-7A148E04963B}" srcOrd="1" destOrd="0" parTransId="{9E092FE3-BE44-43C4-9051-C3EAEF7C27C7}" sibTransId="{D7083A29-0667-43F2-8476-CADAB005C3E7}"/>
+    <dgm:cxn modelId="{D051E76C-021A-432C-8A61-9F422FE30C83}" type="presOf" srcId="{96BAC79E-76D0-48E5-BDAC-D6CDE81B7BCB}" destId="{3199F0BC-6918-44E4-871F-53F45F21AB18}" srcOrd="1" destOrd="0" presId="urn:microsoft.com/office/officeart/2005/8/layout/list1"/>
+    <dgm:cxn modelId="{6C73E971-3C74-47ED-846B-7181334CF20C}" type="presOf" srcId="{C6613250-AD49-4031-87AB-FDD0664152C0}" destId="{E65A61A1-ECF7-43C2-8C32-FF1B34FE5B9A}" srcOrd="0" destOrd="0" presId="urn:microsoft.com/office/officeart/2005/8/layout/list1"/>
     <dgm:cxn modelId="{A1C66EA5-4D68-4EAF-A51E-375DDC34A179}" type="presOf" srcId="{31AF01A0-9442-4123-9D88-3882CA85F256}" destId="{B9EDE648-D303-43F4-8A2C-0DB91756DEB1}" srcOrd="0" destOrd="0" presId="urn:microsoft.com/office/officeart/2005/8/layout/list1"/>
-    <dgm:cxn modelId="{6C73E971-3C74-47ED-846B-7181334CF20C}" type="presOf" srcId="{C6613250-AD49-4031-87AB-FDD0664152C0}" destId="{E65A61A1-ECF7-43C2-8C32-FF1B34FE5B9A}" srcOrd="0" destOrd="0" presId="urn:microsoft.com/office/officeart/2005/8/layout/list1"/>
-    <dgm:cxn modelId="{D051E76C-021A-432C-8A61-9F422FE30C83}" type="presOf" srcId="{96BAC79E-76D0-48E5-BDAC-D6CDE81B7BCB}" destId="{3199F0BC-6918-44E4-871F-53F45F21AB18}" srcOrd="1" destOrd="0" presId="urn:microsoft.com/office/officeart/2005/8/layout/list1"/>
-    <dgm:cxn modelId="{8E6E4D4E-5137-434E-B478-CFA0665D743A}" type="presOf" srcId="{554A886D-A328-4CF7-9FA3-4C9156EBDEAD}" destId="{31D1455B-C3D6-4BFD-B941-213DD8AC4762}" srcOrd="0" destOrd="0" presId="urn:microsoft.com/office/officeart/2005/8/layout/list1"/>
-    <dgm:cxn modelId="{278C2CE4-5997-4D1B-9207-DFF488293584}" srcId="{31AF01A0-9442-4123-9D88-3882CA85F256}" destId="{5DC31E5E-2476-43C7-8A5A-4C2A095D7B42}" srcOrd="0" destOrd="0" parTransId="{826F2E6E-7102-4F9E-86BC-92C1AF476196}" sibTransId="{EBDF32EB-A68D-4555-9ECC-DDD0AB733B53}"/>
-    <dgm:cxn modelId="{3EAF02EB-CCE1-4144-866D-39657EB3A6B7}" type="presOf" srcId="{AF9673CD-F0CA-4E58-8864-8CFA8996B20F}" destId="{F3078009-C750-4507-B739-3658E97334B0}" srcOrd="0" destOrd="0" presId="urn:microsoft.com/office/officeart/2005/8/layout/list1"/>
-    <dgm:cxn modelId="{A8F47BD2-C86E-4061-8ADA-A9B947BC6A34}" type="presOf" srcId="{5DC31E5E-2476-43C7-8A5A-4C2A095D7B42}" destId="{FD28B2F8-9BF6-42FC-9FC1-3EB26B8069B6}" srcOrd="0" destOrd="0" presId="urn:microsoft.com/office/officeart/2005/8/layout/list1"/>
-    <dgm:cxn modelId="{0FBCEB30-730E-486F-8C47-E8BE72301CC9}" type="presOf" srcId="{FEF4C3E2-3DE2-41FB-BF8C-C7539FFECE5A}" destId="{F881EF5A-2D5D-4A39-BAEA-B47595797641}" srcOrd="0" destOrd="0" presId="urn:microsoft.com/office/officeart/2005/8/layout/list1"/>
-    <dgm:cxn modelId="{9C6ECF0D-B834-440B-A180-935FFBE85E6E}" type="presOf" srcId="{575587AB-1A18-4B15-A0AD-77B2982D545D}" destId="{9A38492B-4DDA-4B19-8967-4B8797779B0A}" srcOrd="0" destOrd="0" presId="urn:microsoft.com/office/officeart/2005/8/layout/list1"/>
-    <dgm:cxn modelId="{3ACAE1DF-B0CC-49C7-A535-089FD5C7F335}" type="presOf" srcId="{AFC46CDD-BFF5-456F-B11B-49731C2ED91D}" destId="{DE4ADC67-9ACB-4999-968D-844B2EF89197}" srcOrd="0" destOrd="1" presId="urn:microsoft.com/office/officeart/2005/8/layout/list1"/>
-    <dgm:cxn modelId="{93704027-E77C-4734-9FB1-BDECD1D792B7}" type="presOf" srcId="{31AF01A0-9442-4123-9D88-3882CA85F256}" destId="{FEA90938-4807-4961-AB40-A9C44AE7ECC8}" srcOrd="1" destOrd="0" presId="urn:microsoft.com/office/officeart/2005/8/layout/list1"/>
-    <dgm:cxn modelId="{CE10D698-DCF2-4C63-853F-3B92821A0470}" type="presOf" srcId="{723E4FB2-D7D6-4B8C-90D8-7A148E04963B}" destId="{31D1455B-C3D6-4BFD-B941-213DD8AC4762}" srcOrd="0" destOrd="1" presId="urn:microsoft.com/office/officeart/2005/8/layout/list1"/>
-    <dgm:cxn modelId="{7A8350B3-D6FE-45B5-868B-FD72D8966650}" type="presOf" srcId="{BF33407B-7802-485A-BEAF-999B91A5E209}" destId="{DE4ADC67-9ACB-4999-968D-844B2EF89197}" srcOrd="0" destOrd="0" presId="urn:microsoft.com/office/officeart/2005/8/layout/list1"/>
     <dgm:cxn modelId="{91583CEC-504D-4D3A-8C0F-EAF28AF35BD0}" srcId="{C6613250-AD49-4031-87AB-FDD0664152C0}" destId="{31AF01A0-9442-4123-9D88-3882CA85F256}" srcOrd="0" destOrd="0" parTransId="{D71C8263-CF9F-4A9B-B048-872611AAE82B}" sibTransId="{4A170346-AF23-41BF-B4A2-01BCCB242004}"/>
     <dgm:cxn modelId="{FEAF009D-9612-450E-BCE5-237577FCD29B}" type="presParOf" srcId="{E65A61A1-ECF7-43C2-8C32-FF1B34FE5B9A}" destId="{4B0AC60F-1EFB-4E76-96B0-C1D44ACA1EAC}" srcOrd="0" destOrd="0" presId="urn:microsoft.com/office/officeart/2005/8/layout/list1"/>
     <dgm:cxn modelId="{24BA5846-1AB9-406A-84C6-ADDFC7617C88}" type="presParOf" srcId="{4B0AC60F-1EFB-4E76-96B0-C1D44ACA1EAC}" destId="{B9EDE648-D303-43F4-8A2C-0DB91756DEB1}" srcOrd="0" destOrd="0" presId="urn:microsoft.com/office/officeart/2005/8/layout/list1"/>
@@ -4018,7 +4106,7 @@
           <a:p>
             <a:fld id="{BCA33BDB-1A7D-43E2-B8D5-149F92844DE0}" type="datetimeFigureOut">
               <a:rPr lang="en-MY" smtClean="0"/>
-              <a:t>7/1/2017</a:t>
+              <a:t>8/1/2017</a:t>
             </a:fld>
             <a:endParaRPr lang="en-MY"/>
           </a:p>
@@ -4070,7 +4158,7 @@
           <a:p>
             <a:fld id="{E538A42E-1E9F-44E9-832A-3666DD4D4C48}" type="slidenum">
               <a:rPr lang="en-MY" smtClean="0"/>
-              <a:t>‹#›</a:t>
+              <a:t>‹N°›</a:t>
             </a:fld>
             <a:endParaRPr lang="en-MY"/>
           </a:p>
@@ -4342,7 +4430,7 @@
           <a:p>
             <a:fld id="{BCA33BDB-1A7D-43E2-B8D5-149F92844DE0}" type="datetimeFigureOut">
               <a:rPr lang="en-MY" smtClean="0"/>
-              <a:t>7/1/2017</a:t>
+              <a:t>8/1/2017</a:t>
             </a:fld>
             <a:endParaRPr lang="en-MY"/>
           </a:p>
@@ -4384,7 +4472,7 @@
           <a:p>
             <a:fld id="{E538A42E-1E9F-44E9-832A-3666DD4D4C48}" type="slidenum">
               <a:rPr lang="en-MY" smtClean="0"/>
-              <a:t>‹#›</a:t>
+              <a:t>‹N°›</a:t>
             </a:fld>
             <a:endParaRPr lang="en-MY"/>
           </a:p>
@@ -4590,7 +4678,7 @@
           <a:p>
             <a:fld id="{BCA33BDB-1A7D-43E2-B8D5-149F92844DE0}" type="datetimeFigureOut">
               <a:rPr lang="en-MY" smtClean="0"/>
-              <a:t>7/1/2017</a:t>
+              <a:t>8/1/2017</a:t>
             </a:fld>
             <a:endParaRPr lang="en-MY"/>
           </a:p>
@@ -4632,7 +4720,7 @@
           <a:p>
             <a:fld id="{E538A42E-1E9F-44E9-832A-3666DD4D4C48}" type="slidenum">
               <a:rPr lang="en-MY" smtClean="0"/>
-              <a:t>‹#›</a:t>
+              <a:t>‹N°›</a:t>
             </a:fld>
             <a:endParaRPr lang="en-MY"/>
           </a:p>
@@ -4929,7 +5017,7 @@
           <a:p>
             <a:fld id="{BCA33BDB-1A7D-43E2-B8D5-149F92844DE0}" type="datetimeFigureOut">
               <a:rPr lang="en-MY" smtClean="0"/>
-              <a:t>7/1/2017</a:t>
+              <a:t>8/1/2017</a:t>
             </a:fld>
             <a:endParaRPr lang="en-MY"/>
           </a:p>
@@ -4971,7 +5059,7 @@
           <a:p>
             <a:fld id="{E538A42E-1E9F-44E9-832A-3666DD4D4C48}" type="slidenum">
               <a:rPr lang="en-MY" smtClean="0"/>
-              <a:t>‹#›</a:t>
+              <a:t>‹N°›</a:t>
             </a:fld>
             <a:endParaRPr lang="en-MY"/>
           </a:p>
@@ -5276,7 +5364,7 @@
           <a:p>
             <a:fld id="{BCA33BDB-1A7D-43E2-B8D5-149F92844DE0}" type="datetimeFigureOut">
               <a:rPr lang="en-MY" smtClean="0"/>
-              <a:t>7/1/2017</a:t>
+              <a:t>8/1/2017</a:t>
             </a:fld>
             <a:endParaRPr lang="en-MY"/>
           </a:p>
@@ -5318,7 +5406,7 @@
           <a:p>
             <a:fld id="{E538A42E-1E9F-44E9-832A-3666DD4D4C48}" type="slidenum">
               <a:rPr lang="en-MY" smtClean="0"/>
-              <a:t>‹#›</a:t>
+              <a:t>‹N°›</a:t>
             </a:fld>
             <a:endParaRPr lang="en-MY"/>
           </a:p>
@@ -5650,7 +5738,7 @@
           <a:p>
             <a:fld id="{BCA33BDB-1A7D-43E2-B8D5-149F92844DE0}" type="datetimeFigureOut">
               <a:rPr lang="en-MY" smtClean="0"/>
-              <a:t>7/1/2017</a:t>
+              <a:t>8/1/2017</a:t>
             </a:fld>
             <a:endParaRPr lang="en-MY"/>
           </a:p>
@@ -5692,7 +5780,7 @@
           <a:p>
             <a:fld id="{E538A42E-1E9F-44E9-832A-3666DD4D4C48}" type="slidenum">
               <a:rPr lang="en-MY" smtClean="0"/>
-              <a:t>‹#›</a:t>
+              <a:t>‹N°›</a:t>
             </a:fld>
             <a:endParaRPr lang="en-MY"/>
           </a:p>
@@ -6120,7 +6208,7 @@
           <a:p>
             <a:fld id="{BCA33BDB-1A7D-43E2-B8D5-149F92844DE0}" type="datetimeFigureOut">
               <a:rPr lang="en-MY" smtClean="0"/>
-              <a:t>7/1/2017</a:t>
+              <a:t>8/1/2017</a:t>
             </a:fld>
             <a:endParaRPr lang="en-MY"/>
           </a:p>
@@ -6162,7 +6250,7 @@
           <a:p>
             <a:fld id="{E538A42E-1E9F-44E9-832A-3666DD4D4C48}" type="slidenum">
               <a:rPr lang="en-MY" smtClean="0"/>
-              <a:t>‹#›</a:t>
+              <a:t>‹N°›</a:t>
             </a:fld>
             <a:endParaRPr lang="en-MY"/>
           </a:p>
@@ -6325,7 +6413,7 @@
           <a:p>
             <a:fld id="{BCA33BDB-1A7D-43E2-B8D5-149F92844DE0}" type="datetimeFigureOut">
               <a:rPr lang="en-MY" smtClean="0"/>
-              <a:t>7/1/2017</a:t>
+              <a:t>8/1/2017</a:t>
             </a:fld>
             <a:endParaRPr lang="en-MY"/>
           </a:p>
@@ -6367,7 +6455,7 @@
           <a:p>
             <a:fld id="{E538A42E-1E9F-44E9-832A-3666DD4D4C48}" type="slidenum">
               <a:rPr lang="en-MY" smtClean="0"/>
-              <a:t>‹#›</a:t>
+              <a:t>‹N°›</a:t>
             </a:fld>
             <a:endParaRPr lang="en-MY"/>
           </a:p>
@@ -6536,7 +6624,7 @@
           <a:p>
             <a:fld id="{BCA33BDB-1A7D-43E2-B8D5-149F92844DE0}" type="datetimeFigureOut">
               <a:rPr lang="en-MY" smtClean="0"/>
-              <a:t>7/1/2017</a:t>
+              <a:t>8/1/2017</a:t>
             </a:fld>
             <a:endParaRPr lang="en-MY"/>
           </a:p>
@@ -6578,7 +6666,7 @@
           <a:p>
             <a:fld id="{E538A42E-1E9F-44E9-832A-3666DD4D4C48}" type="slidenum">
               <a:rPr lang="en-MY" smtClean="0"/>
-              <a:t>‹#›</a:t>
+              <a:t>‹N°›</a:t>
             </a:fld>
             <a:endParaRPr lang="en-MY"/>
           </a:p>
@@ -6767,7 +6855,7 @@
           <a:p>
             <a:fld id="{BCA33BDB-1A7D-43E2-B8D5-149F92844DE0}" type="datetimeFigureOut">
               <a:rPr lang="en-MY" smtClean="0"/>
-              <a:t>7/1/2017</a:t>
+              <a:t>8/1/2017</a:t>
             </a:fld>
             <a:endParaRPr lang="en-MY"/>
           </a:p>
@@ -6809,7 +6897,7 @@
           <a:p>
             <a:fld id="{E538A42E-1E9F-44E9-832A-3666DD4D4C48}" type="slidenum">
               <a:rPr lang="en-MY" smtClean="0"/>
-              <a:t>‹#›</a:t>
+              <a:t>‹N°›</a:t>
             </a:fld>
             <a:endParaRPr lang="en-MY"/>
           </a:p>
@@ -7015,7 +7103,7 @@
           <a:p>
             <a:fld id="{BCA33BDB-1A7D-43E2-B8D5-149F92844DE0}" type="datetimeFigureOut">
               <a:rPr lang="en-MY" smtClean="0"/>
-              <a:t>7/1/2017</a:t>
+              <a:t>8/1/2017</a:t>
             </a:fld>
             <a:endParaRPr lang="en-MY"/>
           </a:p>
@@ -7057,7 +7145,7 @@
           <a:p>
             <a:fld id="{E538A42E-1E9F-44E9-832A-3666DD4D4C48}" type="slidenum">
               <a:rPr lang="en-MY" smtClean="0"/>
-              <a:t>‹#›</a:t>
+              <a:t>‹N°›</a:t>
             </a:fld>
             <a:endParaRPr lang="en-MY"/>
           </a:p>
@@ -7313,7 +7401,7 @@
           <a:p>
             <a:fld id="{BCA33BDB-1A7D-43E2-B8D5-149F92844DE0}" type="datetimeFigureOut">
               <a:rPr lang="en-MY" smtClean="0"/>
-              <a:t>7/1/2017</a:t>
+              <a:t>8/1/2017</a:t>
             </a:fld>
             <a:endParaRPr lang="en-MY"/>
           </a:p>
@@ -7355,7 +7443,7 @@
           <a:p>
             <a:fld id="{E538A42E-1E9F-44E9-832A-3666DD4D4C48}" type="slidenum">
               <a:rPr lang="en-MY" smtClean="0"/>
-              <a:t>‹#›</a:t>
+              <a:t>‹N°›</a:t>
             </a:fld>
             <a:endParaRPr lang="en-MY"/>
           </a:p>
@@ -7695,7 +7783,7 @@
           <a:p>
             <a:fld id="{BCA33BDB-1A7D-43E2-B8D5-149F92844DE0}" type="datetimeFigureOut">
               <a:rPr lang="en-MY" smtClean="0"/>
-              <a:t>7/1/2017</a:t>
+              <a:t>8/1/2017</a:t>
             </a:fld>
             <a:endParaRPr lang="en-MY"/>
           </a:p>
@@ -7737,7 +7825,7 @@
           <a:p>
             <a:fld id="{E538A42E-1E9F-44E9-832A-3666DD4D4C48}" type="slidenum">
               <a:rPr lang="en-MY" smtClean="0"/>
-              <a:t>‹#›</a:t>
+              <a:t>‹N°›</a:t>
             </a:fld>
             <a:endParaRPr lang="en-MY"/>
           </a:p>
@@ -7844,7 +7932,7 @@
           <a:p>
             <a:fld id="{BCA33BDB-1A7D-43E2-B8D5-149F92844DE0}" type="datetimeFigureOut">
               <a:rPr lang="en-MY" smtClean="0"/>
-              <a:t>7/1/2017</a:t>
+              <a:t>8/1/2017</a:t>
             </a:fld>
             <a:endParaRPr lang="en-MY"/>
           </a:p>
@@ -7886,7 +7974,7 @@
           <a:p>
             <a:fld id="{E538A42E-1E9F-44E9-832A-3666DD4D4C48}" type="slidenum">
               <a:rPr lang="en-MY" smtClean="0"/>
-              <a:t>‹#›</a:t>
+              <a:t>‹N°›</a:t>
             </a:fld>
             <a:endParaRPr lang="en-MY"/>
           </a:p>
@@ -7970,7 +8058,7 @@
           <a:p>
             <a:fld id="{BCA33BDB-1A7D-43E2-B8D5-149F92844DE0}" type="datetimeFigureOut">
               <a:rPr lang="en-MY" smtClean="0"/>
-              <a:t>7/1/2017</a:t>
+              <a:t>8/1/2017</a:t>
             </a:fld>
             <a:endParaRPr lang="en-MY"/>
           </a:p>
@@ -8012,7 +8100,7 @@
           <a:p>
             <a:fld id="{E538A42E-1E9F-44E9-832A-3666DD4D4C48}" type="slidenum">
               <a:rPr lang="en-MY" smtClean="0"/>
-              <a:t>‹#›</a:t>
+              <a:t>‹N°›</a:t>
             </a:fld>
             <a:endParaRPr lang="en-MY"/>
           </a:p>
@@ -8225,7 +8313,7 @@
           <a:p>
             <a:fld id="{BCA33BDB-1A7D-43E2-B8D5-149F92844DE0}" type="datetimeFigureOut">
               <a:rPr lang="en-MY" smtClean="0"/>
-              <a:t>7/1/2017</a:t>
+              <a:t>8/1/2017</a:t>
             </a:fld>
             <a:endParaRPr lang="en-MY"/>
           </a:p>
@@ -8267,7 +8355,7 @@
           <a:p>
             <a:fld id="{E538A42E-1E9F-44E9-832A-3666DD4D4C48}" type="slidenum">
               <a:rPr lang="en-MY" smtClean="0"/>
-              <a:t>‹#›</a:t>
+              <a:t>‹N°›</a:t>
             </a:fld>
             <a:endParaRPr lang="en-MY"/>
           </a:p>
@@ -8540,7 +8628,7 @@
           <a:p>
             <a:fld id="{BCA33BDB-1A7D-43E2-B8D5-149F92844DE0}" type="datetimeFigureOut">
               <a:rPr lang="en-MY" smtClean="0"/>
-              <a:t>7/1/2017</a:t>
+              <a:t>8/1/2017</a:t>
             </a:fld>
             <a:endParaRPr lang="en-MY"/>
           </a:p>
@@ -8582,7 +8670,7 @@
           <a:p>
             <a:fld id="{E538A42E-1E9F-44E9-832A-3666DD4D4C48}" type="slidenum">
               <a:rPr lang="en-MY" smtClean="0"/>
-              <a:t>‹#›</a:t>
+              <a:t>‹N°›</a:t>
             </a:fld>
             <a:endParaRPr lang="en-MY"/>
           </a:p>
@@ -8784,7 +8872,7 @@
           <a:p>
             <a:fld id="{BCA33BDB-1A7D-43E2-B8D5-149F92844DE0}" type="datetimeFigureOut">
               <a:rPr lang="en-MY" smtClean="0"/>
-              <a:t>7/1/2017</a:t>
+              <a:t>8/1/2017</a:t>
             </a:fld>
             <a:endParaRPr lang="en-MY"/>
           </a:p>
@@ -8862,7 +8950,7 @@
           <a:p>
             <a:fld id="{E538A42E-1E9F-44E9-832A-3666DD4D4C48}" type="slidenum">
               <a:rPr lang="en-MY" smtClean="0"/>
-              <a:t>‹#›</a:t>
+              <a:t>‹N°›</a:t>
             </a:fld>
             <a:endParaRPr lang="en-MY"/>
           </a:p>
@@ -9507,21 +9595,452 @@
           <a:effectLst>
             <a:reflection blurRad="12700" stA="38000" endPos="28000" dist="5000" dir="5400000" sy="-100000" algn="bl" rotWithShape="0"/>
           </a:effectLst>
-          <a:extLst>
-            <a:ext uri="{909E8E84-426E-40DD-AFC4-6F175D3DCCD1}">
-              <a14:hiddenFill xmlns:a14="http://schemas.microsoft.com/office/drawing/2010/main">
-                <a:solidFill>
-                  <a:srgbClr val="FFFFFF"/>
-                </a:solidFill>
-              </a14:hiddenFill>
-            </a:ext>
-          </a:extLst>
+          <a:extLst/>
         </p:spPr>
       </p:pic>
     </p:spTree>
     <p:extLst>
       <p:ext uri="{BB962C8B-B14F-4D97-AF65-F5344CB8AC3E}">
         <p14:creationId xmlns:p14="http://schemas.microsoft.com/office/powerpoint/2010/main" val="2558642510"/>
+      </p:ext>
+    </p:extLst>
+  </p:cSld>
+  <p:clrMapOvr>
+    <a:masterClrMapping/>
+  </p:clrMapOvr>
+  <p:timing>
+    <p:tnLst>
+      <p:par>
+        <p:cTn id="1" dur="indefinite" restart="never" nodeType="tmRoot"/>
+      </p:par>
+    </p:tnLst>
+  </p:timing>
+</p:sld>
+</file>
+
+<file path=ppt/slides/slide10.xml><?xml version="1.0" encoding="utf-8"?>
+<p:sld xmlns:a="http://schemas.openxmlformats.org/drawingml/2006/main" xmlns:r="http://schemas.openxmlformats.org/officeDocument/2006/relationships" xmlns:p="http://schemas.openxmlformats.org/presentationml/2006/main">
+  <p:cSld>
+    <p:spTree>
+      <p:nvGrpSpPr>
+        <p:cNvPr id="1" name=""/>
+        <p:cNvGrpSpPr/>
+        <p:nvPr/>
+      </p:nvGrpSpPr>
+      <p:grpSpPr>
+        <a:xfrm>
+          <a:off x="0" y="0"/>
+          <a:ext cx="0" cy="0"/>
+          <a:chOff x="0" y="0"/>
+          <a:chExt cx="0" cy="0"/>
+        </a:xfrm>
+      </p:grpSpPr>
+      <p:pic>
+        <p:nvPicPr>
+          <p:cNvPr id="6" name="Image 5"/>
+          <p:cNvPicPr>
+            <a:picLocks noChangeAspect="1"/>
+          </p:cNvPicPr>
+          <p:nvPr/>
+        </p:nvPicPr>
+        <p:blipFill>
+          <a:blip r:embed="rId2">
+            <a:extLst>
+              <a:ext uri="{28A0092B-C50C-407E-A947-70E740481C1C}">
+                <a14:useLocalDpi xmlns:a14="http://schemas.microsoft.com/office/drawing/2010/main" val="0"/>
+              </a:ext>
+            </a:extLst>
+          </a:blip>
+          <a:stretch>
+            <a:fillRect/>
+          </a:stretch>
+        </p:blipFill>
+        <p:spPr>
+          <a:xfrm>
+            <a:off x="820615" y="773136"/>
+            <a:ext cx="10573615" cy="5154637"/>
+          </a:xfrm>
+          <a:prstGeom prst="rect">
+            <a:avLst/>
+          </a:prstGeom>
+        </p:spPr>
+      </p:pic>
+    </p:spTree>
+    <p:extLst>
+      <p:ext uri="{BB962C8B-B14F-4D97-AF65-F5344CB8AC3E}">
+        <p14:creationId xmlns:p14="http://schemas.microsoft.com/office/powerpoint/2010/main" val="3475019812"/>
+      </p:ext>
+    </p:extLst>
+  </p:cSld>
+  <p:clrMapOvr>
+    <a:masterClrMapping/>
+  </p:clrMapOvr>
+  <p:timing>
+    <p:tnLst>
+      <p:par>
+        <p:cTn id="1" dur="indefinite" restart="never" nodeType="tmRoot"/>
+      </p:par>
+    </p:tnLst>
+  </p:timing>
+</p:sld>
+</file>
+
+<file path=ppt/slides/slide11.xml><?xml version="1.0" encoding="utf-8"?>
+<p:sld xmlns:a="http://schemas.openxmlformats.org/drawingml/2006/main" xmlns:r="http://schemas.openxmlformats.org/officeDocument/2006/relationships" xmlns:p="http://schemas.openxmlformats.org/presentationml/2006/main">
+  <p:cSld>
+    <p:spTree>
+      <p:nvGrpSpPr>
+        <p:cNvPr id="1" name=""/>
+        <p:cNvGrpSpPr/>
+        <p:nvPr/>
+      </p:nvGrpSpPr>
+      <p:grpSpPr>
+        <a:xfrm>
+          <a:off x="0" y="0"/>
+          <a:ext cx="0" cy="0"/>
+          <a:chOff x="0" y="0"/>
+          <a:chExt cx="0" cy="0"/>
+        </a:xfrm>
+      </p:grpSpPr>
+      <p:pic>
+        <p:nvPicPr>
+          <p:cNvPr id="5" name="Image 4"/>
+          <p:cNvPicPr>
+            <a:picLocks noChangeAspect="1"/>
+          </p:cNvPicPr>
+          <p:nvPr/>
+        </p:nvPicPr>
+        <p:blipFill>
+          <a:blip r:embed="rId2">
+            <a:extLst>
+              <a:ext uri="{28A0092B-C50C-407E-A947-70E740481C1C}">
+                <a14:useLocalDpi xmlns:a14="http://schemas.microsoft.com/office/drawing/2010/main" val="0"/>
+              </a:ext>
+            </a:extLst>
+          </a:blip>
+          <a:stretch>
+            <a:fillRect/>
+          </a:stretch>
+        </p:blipFill>
+        <p:spPr>
+          <a:xfrm>
+            <a:off x="750276" y="1055076"/>
+            <a:ext cx="10669052" cy="4576425"/>
+          </a:xfrm>
+          <a:prstGeom prst="rect">
+            <a:avLst/>
+          </a:prstGeom>
+        </p:spPr>
+      </p:pic>
+    </p:spTree>
+    <p:extLst>
+      <p:ext uri="{BB962C8B-B14F-4D97-AF65-F5344CB8AC3E}">
+        <p14:creationId xmlns:p14="http://schemas.microsoft.com/office/powerpoint/2010/main" val="4069313497"/>
+      </p:ext>
+    </p:extLst>
+  </p:cSld>
+  <p:clrMapOvr>
+    <a:masterClrMapping/>
+  </p:clrMapOvr>
+  <p:timing>
+    <p:tnLst>
+      <p:par>
+        <p:cTn id="1" dur="indefinite" restart="never" nodeType="tmRoot"/>
+      </p:par>
+    </p:tnLst>
+  </p:timing>
+</p:sld>
+</file>
+
+<file path=ppt/slides/slide12.xml><?xml version="1.0" encoding="utf-8"?>
+<p:sld xmlns:a="http://schemas.openxmlformats.org/drawingml/2006/main" xmlns:r="http://schemas.openxmlformats.org/officeDocument/2006/relationships" xmlns:p="http://schemas.openxmlformats.org/presentationml/2006/main">
+  <p:cSld>
+    <p:spTree>
+      <p:nvGrpSpPr>
+        <p:cNvPr id="1" name=""/>
+        <p:cNvGrpSpPr/>
+        <p:nvPr/>
+      </p:nvGrpSpPr>
+      <p:grpSpPr>
+        <a:xfrm>
+          <a:off x="0" y="0"/>
+          <a:ext cx="0" cy="0"/>
+          <a:chOff x="0" y="0"/>
+          <a:chExt cx="0" cy="0"/>
+        </a:xfrm>
+      </p:grpSpPr>
+      <p:pic>
+        <p:nvPicPr>
+          <p:cNvPr id="2" name="Image 1"/>
+          <p:cNvPicPr>
+            <a:picLocks noChangeAspect="1"/>
+          </p:cNvPicPr>
+          <p:nvPr/>
+        </p:nvPicPr>
+        <p:blipFill>
+          <a:blip r:embed="rId2">
+            <a:extLst>
+              <a:ext uri="{28A0092B-C50C-407E-A947-70E740481C1C}">
+                <a14:useLocalDpi xmlns:a14="http://schemas.microsoft.com/office/drawing/2010/main" val="0"/>
+              </a:ext>
+            </a:extLst>
+          </a:blip>
+          <a:stretch>
+            <a:fillRect/>
+          </a:stretch>
+        </p:blipFill>
+        <p:spPr>
+          <a:xfrm>
+            <a:off x="1097001" y="1263211"/>
+            <a:ext cx="10171092" cy="3613589"/>
+          </a:xfrm>
+          <a:prstGeom prst="rect">
+            <a:avLst/>
+          </a:prstGeom>
+        </p:spPr>
+      </p:pic>
+    </p:spTree>
+    <p:extLst>
+      <p:ext uri="{BB962C8B-B14F-4D97-AF65-F5344CB8AC3E}">
+        <p14:creationId xmlns:p14="http://schemas.microsoft.com/office/powerpoint/2010/main" val="416202489"/>
+      </p:ext>
+    </p:extLst>
+  </p:cSld>
+  <p:clrMapOvr>
+    <a:masterClrMapping/>
+  </p:clrMapOvr>
+  <p:timing>
+    <p:tnLst>
+      <p:par>
+        <p:cTn id="1" dur="indefinite" restart="never" nodeType="tmRoot"/>
+      </p:par>
+    </p:tnLst>
+  </p:timing>
+</p:sld>
+</file>
+
+<file path=ppt/slides/slide13.xml><?xml version="1.0" encoding="utf-8"?>
+<p:sld xmlns:a="http://schemas.openxmlformats.org/drawingml/2006/main" xmlns:r="http://schemas.openxmlformats.org/officeDocument/2006/relationships" xmlns:p="http://schemas.openxmlformats.org/presentationml/2006/main">
+  <p:cSld>
+    <p:spTree>
+      <p:nvGrpSpPr>
+        <p:cNvPr id="1" name=""/>
+        <p:cNvGrpSpPr/>
+        <p:nvPr/>
+      </p:nvGrpSpPr>
+      <p:grpSpPr>
+        <a:xfrm>
+          <a:off x="0" y="0"/>
+          <a:ext cx="0" cy="0"/>
+          <a:chOff x="0" y="0"/>
+          <a:chExt cx="0" cy="0"/>
+        </a:xfrm>
+      </p:grpSpPr>
+      <p:pic>
+        <p:nvPicPr>
+          <p:cNvPr id="2" name="Image 1"/>
+          <p:cNvPicPr>
+            <a:picLocks noChangeAspect="1"/>
+          </p:cNvPicPr>
+          <p:nvPr/>
+        </p:nvPicPr>
+        <p:blipFill>
+          <a:blip r:embed="rId2">
+            <a:extLst>
+              <a:ext uri="{28A0092B-C50C-407E-A947-70E740481C1C}">
+                <a14:useLocalDpi xmlns:a14="http://schemas.microsoft.com/office/drawing/2010/main" val="0"/>
+              </a:ext>
+            </a:extLst>
+          </a:blip>
+          <a:stretch>
+            <a:fillRect/>
+          </a:stretch>
+        </p:blipFill>
+        <p:spPr>
+          <a:xfrm>
+            <a:off x="478829" y="1046369"/>
+            <a:ext cx="11220801" cy="4299354"/>
+          </a:xfrm>
+          <a:prstGeom prst="rect">
+            <a:avLst/>
+          </a:prstGeom>
+        </p:spPr>
+      </p:pic>
+    </p:spTree>
+    <p:extLst>
+      <p:ext uri="{BB962C8B-B14F-4D97-AF65-F5344CB8AC3E}">
+        <p14:creationId xmlns:p14="http://schemas.microsoft.com/office/powerpoint/2010/main" val="2001152052"/>
+      </p:ext>
+    </p:extLst>
+  </p:cSld>
+  <p:clrMapOvr>
+    <a:masterClrMapping/>
+  </p:clrMapOvr>
+  <p:timing>
+    <p:tnLst>
+      <p:par>
+        <p:cTn id="1" dur="indefinite" restart="never" nodeType="tmRoot"/>
+      </p:par>
+    </p:tnLst>
+  </p:timing>
+</p:sld>
+</file>
+
+<file path=ppt/slides/slide14.xml><?xml version="1.0" encoding="utf-8"?>
+<p:sld xmlns:a="http://schemas.openxmlformats.org/drawingml/2006/main" xmlns:r="http://schemas.openxmlformats.org/officeDocument/2006/relationships" xmlns:p="http://schemas.openxmlformats.org/presentationml/2006/main">
+  <p:cSld>
+    <p:spTree>
+      <p:nvGrpSpPr>
+        <p:cNvPr id="1" name=""/>
+        <p:cNvGrpSpPr/>
+        <p:nvPr/>
+      </p:nvGrpSpPr>
+      <p:grpSpPr>
+        <a:xfrm>
+          <a:off x="0" y="0"/>
+          <a:ext cx="0" cy="0"/>
+          <a:chOff x="0" y="0"/>
+          <a:chExt cx="0" cy="0"/>
+        </a:xfrm>
+      </p:grpSpPr>
+      <p:sp>
+        <p:nvSpPr>
+          <p:cNvPr id="2" name="Title 1"/>
+          <p:cNvSpPr>
+            <a:spLocks noGrp="1"/>
+          </p:cNvSpPr>
+          <p:nvPr>
+            <p:ph type="title"/>
+          </p:nvPr>
+        </p:nvSpPr>
+        <p:spPr>
+          <a:xfrm>
+            <a:off x="1289580" y="5649601"/>
+            <a:ext cx="9609666" cy="566738"/>
+          </a:xfrm>
+        </p:spPr>
+        <p:txBody>
+          <a:bodyPr>
+            <a:normAutofit/>
+          </a:bodyPr>
+          <a:lstStyle/>
+          <a:p>
+            <a:r>
+              <a:rPr lang="en-MY" dirty="0">
+                <a:hlinkClick r:id="rId2"/>
+              </a:rPr>
+              <a:t>https://</a:t>
+            </a:r>
+            <a:r>
+              <a:rPr lang="en-MY" dirty="0" smtClean="0">
+                <a:hlinkClick r:id="rId2"/>
+              </a:rPr>
+              <a:t>github.com/LucieSteiner/WebAppDev-DirectorSecretaryModule.git</a:t>
+            </a:r>
+            <a:endParaRPr lang="en-MY" dirty="0"/>
+          </a:p>
+        </p:txBody>
+      </p:sp>
+      <p:sp>
+        <p:nvSpPr>
+          <p:cNvPr id="3" name="Picture Placeholder 2"/>
+          <p:cNvSpPr>
+            <a:spLocks noGrp="1"/>
+          </p:cNvSpPr>
+          <p:nvPr>
+            <p:ph type="pic" idx="1"/>
+          </p:nvPr>
+        </p:nvSpPr>
+        <p:spPr/>
+      </p:sp>
+      <p:pic>
+        <p:nvPicPr>
+          <p:cNvPr id="5" name="Picture 4"/>
+          <p:cNvPicPr>
+            <a:picLocks noChangeAspect="1"/>
+          </p:cNvPicPr>
+          <p:nvPr/>
+        </p:nvPicPr>
+        <p:blipFill rotWithShape="1">
+          <a:blip r:embed="rId3"/>
+          <a:srcRect b="6293"/>
+          <a:stretch/>
+        </p:blipFill>
+        <p:spPr>
+          <a:xfrm>
+            <a:off x="950467" y="672102"/>
+            <a:ext cx="10331426" cy="4891571"/>
+          </a:xfrm>
+          <a:prstGeom prst="rect">
+            <a:avLst/>
+          </a:prstGeom>
+        </p:spPr>
+      </p:pic>
+    </p:spTree>
+    <p:extLst>
+      <p:ext uri="{BB962C8B-B14F-4D97-AF65-F5344CB8AC3E}">
+        <p14:creationId xmlns:p14="http://schemas.microsoft.com/office/powerpoint/2010/main" val="1069527433"/>
+      </p:ext>
+    </p:extLst>
+  </p:cSld>
+  <p:clrMapOvr>
+    <a:masterClrMapping/>
+  </p:clrMapOvr>
+  <p:timing>
+    <p:tnLst>
+      <p:par>
+        <p:cTn id="1" dur="indefinite" restart="never" nodeType="tmRoot"/>
+      </p:par>
+    </p:tnLst>
+  </p:timing>
+</p:sld>
+</file>
+
+<file path=ppt/slides/slide15.xml><?xml version="1.0" encoding="utf-8"?>
+<p:sld xmlns:a="http://schemas.openxmlformats.org/drawingml/2006/main" xmlns:r="http://schemas.openxmlformats.org/officeDocument/2006/relationships" xmlns:p="http://schemas.openxmlformats.org/presentationml/2006/main">
+  <p:cSld>
+    <p:spTree>
+      <p:nvGrpSpPr>
+        <p:cNvPr id="1" name=""/>
+        <p:cNvGrpSpPr/>
+        <p:nvPr/>
+      </p:nvGrpSpPr>
+      <p:grpSpPr>
+        <a:xfrm>
+          <a:off x="0" y="0"/>
+          <a:ext cx="0" cy="0"/>
+          <a:chOff x="0" y="0"/>
+          <a:chExt cx="0" cy="0"/>
+        </a:xfrm>
+      </p:grpSpPr>
+      <p:pic>
+        <p:nvPicPr>
+          <p:cNvPr id="7" name="Image 6"/>
+          <p:cNvPicPr>
+            <a:picLocks noChangeAspect="1"/>
+          </p:cNvPicPr>
+          <p:nvPr/>
+        </p:nvPicPr>
+        <p:blipFill>
+          <a:blip r:embed="rId2"/>
+          <a:stretch>
+            <a:fillRect/>
+          </a:stretch>
+        </p:blipFill>
+        <p:spPr>
+          <a:xfrm>
+            <a:off x="628219" y="867509"/>
+            <a:ext cx="10676500" cy="5087814"/>
+          </a:xfrm>
+          <a:prstGeom prst="rect">
+            <a:avLst/>
+          </a:prstGeom>
+        </p:spPr>
+      </p:pic>
+    </p:spTree>
+    <p:extLst>
+      <p:ext uri="{BB962C8B-B14F-4D97-AF65-F5344CB8AC3E}">
+        <p14:creationId xmlns:p14="http://schemas.microsoft.com/office/powerpoint/2010/main" val="3791527667"/>
       </p:ext>
     </p:extLst>
   </p:cSld>
@@ -9719,15 +10238,7 @@
           <a:effectLst>
             <a:reflection blurRad="12700" stA="38000" endPos="28000" dist="5000" dir="5400000" sy="-100000" algn="bl" rotWithShape="0"/>
           </a:effectLst>
-          <a:extLst>
-            <a:ext uri="{909E8E84-426E-40DD-AFC4-6F175D3DCCD1}">
-              <a14:hiddenFill xmlns:a14="http://schemas.microsoft.com/office/drawing/2010/main">
-                <a:solidFill>
-                  <a:srgbClr val="FFFFFF"/>
-                </a:solidFill>
-              </a14:hiddenFill>
-            </a:ext>
-          </a:extLst>
+          <a:extLst/>
         </p:spPr>
       </p:pic>
     </p:spTree>
@@ -10240,11 +10751,7 @@
           <a:p>
             <a:r>
               <a:rPr lang="en-MY" b="1" dirty="0" smtClean="0"/>
-              <a:t>Director and Secretary View </a:t>
-            </a:r>
-            <a:r>
-              <a:rPr lang="en-MY" b="1" dirty="0" smtClean="0"/>
-              <a:t>Use Case Diagram</a:t>
+              <a:t>Director and Secretary View Use Case Diagram</a:t>
             </a:r>
             <a:endParaRPr lang="en-MY" b="1" dirty="0"/>
           </a:p>
@@ -10451,15 +10958,7 @@
           <a:effectLst>
             <a:reflection blurRad="12700" stA="38000" endPos="28000" dist="5000" dir="5400000" sy="-100000" algn="bl" rotWithShape="0"/>
           </a:effectLst>
-          <a:extLst>
-            <a:ext uri="{909E8E84-426E-40DD-AFC4-6F175D3DCCD1}">
-              <a14:hiddenFill xmlns:a14="http://schemas.microsoft.com/office/drawing/2010/main">
-                <a:solidFill>
-                  <a:srgbClr val="FFFFFF"/>
-                </a:solidFill>
-              </a14:hiddenFill>
-            </a:ext>
-          </a:extLst>
+          <a:extLst/>
         </p:spPr>
       </p:pic>
     </p:spTree>
@@ -10501,7 +11000,7 @@
       </p:grpSpPr>
       <p:pic>
         <p:nvPicPr>
-          <p:cNvPr id="3" name="Picture 2"/>
+          <p:cNvPr id="2" name="Image 1"/>
           <p:cNvPicPr>
             <a:picLocks noChangeAspect="1"/>
           </p:cNvPicPr>
@@ -10515,22 +11014,12 @@
         </p:blipFill>
         <p:spPr>
           <a:xfrm>
-            <a:off x="2476881" y="611745"/>
-            <a:ext cx="7032176" cy="5660266"/>
+            <a:off x="2719754" y="577728"/>
+            <a:ext cx="6823563" cy="5639526"/>
           </a:xfrm>
           <a:prstGeom prst="rect">
             <a:avLst/>
           </a:prstGeom>
-          <a:ln>
-            <a:noFill/>
-          </a:ln>
-          <a:effectLst>
-            <a:outerShdw blurRad="190500" algn="tl" rotWithShape="0">
-              <a:srgbClr val="000000">
-                <a:alpha val="70000"/>
-              </a:srgbClr>
-            </a:outerShdw>
-          </a:effectLst>
         </p:spPr>
       </p:pic>
     </p:spTree>
@@ -10734,15 +11223,7 @@
           <a:effectLst>
             <a:reflection blurRad="12700" stA="38000" endPos="28000" dist="5000" dir="5400000" sy="-100000" algn="bl" rotWithShape="0"/>
           </a:effectLst>
-          <a:extLst>
-            <a:ext uri="{909E8E84-426E-40DD-AFC4-6F175D3DCCD1}">
-              <a14:hiddenFill xmlns:a14="http://schemas.microsoft.com/office/drawing/2010/main">
-                <a:solidFill>
-                  <a:srgbClr val="FFFFFF"/>
-                </a:solidFill>
-              </a14:hiddenFill>
-            </a:ext>
-          </a:extLst>
+          <a:extLst/>
         </p:spPr>
       </p:pic>
     </p:spTree>
@@ -10766,6 +11247,111 @@
 </file>
 
 <file path=ppt/slides/slide8.xml><?xml version="1.0" encoding="utf-8"?>
+<p:sld xmlns:a="http://schemas.openxmlformats.org/drawingml/2006/main" xmlns:r="http://schemas.openxmlformats.org/officeDocument/2006/relationships" xmlns:p="http://schemas.openxmlformats.org/presentationml/2006/main">
+  <p:cSld>
+    <p:spTree>
+      <p:nvGrpSpPr>
+        <p:cNvPr id="1" name=""/>
+        <p:cNvGrpSpPr/>
+        <p:nvPr/>
+      </p:nvGrpSpPr>
+      <p:grpSpPr>
+        <a:xfrm>
+          <a:off x="0" y="0"/>
+          <a:ext cx="0" cy="0"/>
+          <a:chOff x="0" y="0"/>
+          <a:chExt cx="0" cy="0"/>
+        </a:xfrm>
+      </p:grpSpPr>
+      <p:sp>
+        <p:nvSpPr>
+          <p:cNvPr id="2" name="Titre 1"/>
+          <p:cNvSpPr>
+            <a:spLocks noGrp="1"/>
+          </p:cNvSpPr>
+          <p:nvPr>
+            <p:ph type="title"/>
+          </p:nvPr>
+        </p:nvSpPr>
+        <p:spPr/>
+        <p:txBody>
+          <a:bodyPr/>
+          <a:lstStyle/>
+          <a:p>
+            <a:endParaRPr lang="fr-CH"/>
+          </a:p>
+        </p:txBody>
+      </p:sp>
+      <p:sp>
+        <p:nvSpPr>
+          <p:cNvPr id="3" name="Espace réservé du texte 2"/>
+          <p:cNvSpPr>
+            <a:spLocks noGrp="1"/>
+          </p:cNvSpPr>
+          <p:nvPr>
+            <p:ph type="body" idx="1"/>
+          </p:nvPr>
+        </p:nvSpPr>
+        <p:spPr/>
+        <p:txBody>
+          <a:bodyPr/>
+          <a:lstStyle/>
+          <a:p>
+            <a:endParaRPr lang="fr-CH"/>
+          </a:p>
+        </p:txBody>
+      </p:sp>
+      <p:pic>
+        <p:nvPicPr>
+          <p:cNvPr id="4" name="Image 3"/>
+          <p:cNvPicPr>
+            <a:picLocks noChangeAspect="1"/>
+          </p:cNvPicPr>
+          <p:nvPr/>
+        </p:nvPicPr>
+        <p:blipFill>
+          <a:blip r:embed="rId2">
+            <a:extLst>
+              <a:ext uri="{28A0092B-C50C-407E-A947-70E740481C1C}">
+                <a14:useLocalDpi xmlns:a14="http://schemas.microsoft.com/office/drawing/2010/main" val="0"/>
+              </a:ext>
+            </a:extLst>
+          </a:blip>
+          <a:stretch>
+            <a:fillRect/>
+          </a:stretch>
+        </p:blipFill>
+        <p:spPr>
+          <a:xfrm>
+            <a:off x="2015067" y="753574"/>
+            <a:ext cx="8210550" cy="5210175"/>
+          </a:xfrm>
+          <a:prstGeom prst="rect">
+            <a:avLst/>
+          </a:prstGeom>
+        </p:spPr>
+      </p:pic>
+    </p:spTree>
+    <p:extLst>
+      <p:ext uri="{BB962C8B-B14F-4D97-AF65-F5344CB8AC3E}">
+        <p14:creationId xmlns:p14="http://schemas.microsoft.com/office/powerpoint/2010/main" val="612111203"/>
+      </p:ext>
+    </p:extLst>
+  </p:cSld>
+  <p:clrMapOvr>
+    <a:masterClrMapping/>
+  </p:clrMapOvr>
+  <p:timing>
+    <p:tnLst>
+      <p:par>
+        <p:cTn id="1" dur="indefinite" restart="never" nodeType="tmRoot"/>
+      </p:par>
+    </p:tnLst>
+  </p:timing>
+</p:sld>
+</file>
+
+<file path=ppt/slides/slide9.xml><?xml version="1.0" encoding="utf-8"?>
 <p:sld xmlns:a="http://schemas.openxmlformats.org/drawingml/2006/main" xmlns:r="http://schemas.openxmlformats.org/officeDocument/2006/relationships" xmlns:p="http://schemas.openxmlformats.org/presentationml/2006/main">
   <p:cSld>
     <p:spTree>
@@ -10946,131 +11532,13 @@
           <a:effectLst>
             <a:reflection blurRad="12700" stA="38000" endPos="28000" dist="5000" dir="5400000" sy="-100000" algn="bl" rotWithShape="0"/>
           </a:effectLst>
-          <a:extLst>
-            <a:ext uri="{909E8E84-426E-40DD-AFC4-6F175D3DCCD1}">
-              <a14:hiddenFill xmlns:a14="http://schemas.microsoft.com/office/drawing/2010/main">
-                <a:solidFill>
-                  <a:srgbClr val="FFFFFF"/>
-                </a:solidFill>
-              </a14:hiddenFill>
-            </a:ext>
-          </a:extLst>
+          <a:extLst/>
         </p:spPr>
       </p:pic>
     </p:spTree>
     <p:extLst>
       <p:ext uri="{BB962C8B-B14F-4D97-AF65-F5344CB8AC3E}">
         <p14:creationId xmlns:p14="http://schemas.microsoft.com/office/powerpoint/2010/main" val="3359766522"/>
-      </p:ext>
-    </p:extLst>
-  </p:cSld>
-  <p:clrMapOvr>
-    <a:masterClrMapping/>
-  </p:clrMapOvr>
-  <p:timing>
-    <p:tnLst>
-      <p:par>
-        <p:cTn id="1" dur="indefinite" restart="never" nodeType="tmRoot"/>
-      </p:par>
-    </p:tnLst>
-  </p:timing>
-</p:sld>
-</file>
-
-<file path=ppt/slides/slide9.xml><?xml version="1.0" encoding="utf-8"?>
-<p:sld xmlns:a="http://schemas.openxmlformats.org/drawingml/2006/main" xmlns:r="http://schemas.openxmlformats.org/officeDocument/2006/relationships" xmlns:p="http://schemas.openxmlformats.org/presentationml/2006/main">
-  <p:cSld>
-    <p:spTree>
-      <p:nvGrpSpPr>
-        <p:cNvPr id="1" name=""/>
-        <p:cNvGrpSpPr/>
-        <p:nvPr/>
-      </p:nvGrpSpPr>
-      <p:grpSpPr>
-        <a:xfrm>
-          <a:off x="0" y="0"/>
-          <a:ext cx="0" cy="0"/>
-          <a:chOff x="0" y="0"/>
-          <a:chExt cx="0" cy="0"/>
-        </a:xfrm>
-      </p:grpSpPr>
-      <p:sp>
-        <p:nvSpPr>
-          <p:cNvPr id="2" name="Title 1"/>
-          <p:cNvSpPr>
-            <a:spLocks noGrp="1"/>
-          </p:cNvSpPr>
-          <p:nvPr>
-            <p:ph type="title"/>
-          </p:nvPr>
-        </p:nvSpPr>
-        <p:spPr>
-          <a:xfrm>
-            <a:off x="1289580" y="5649601"/>
-            <a:ext cx="9609666" cy="566738"/>
-          </a:xfrm>
-        </p:spPr>
-        <p:txBody>
-          <a:bodyPr>
-            <a:normAutofit/>
-          </a:bodyPr>
-          <a:lstStyle/>
-          <a:p>
-            <a:r>
-              <a:rPr lang="en-MY" dirty="0">
-                <a:hlinkClick r:id="rId2"/>
-              </a:rPr>
-              <a:t>https://</a:t>
-            </a:r>
-            <a:r>
-              <a:rPr lang="en-MY" dirty="0" smtClean="0">
-                <a:hlinkClick r:id="rId2"/>
-              </a:rPr>
-              <a:t>github.com/LucieSteiner/WebAppDev-DirectorSecretaryModule.git</a:t>
-            </a:r>
-            <a:endParaRPr lang="en-MY" dirty="0"/>
-          </a:p>
-        </p:txBody>
-      </p:sp>
-      <p:sp>
-        <p:nvSpPr>
-          <p:cNvPr id="3" name="Picture Placeholder 2"/>
-          <p:cNvSpPr>
-            <a:spLocks noGrp="1"/>
-          </p:cNvSpPr>
-          <p:nvPr>
-            <p:ph type="pic" idx="1"/>
-          </p:nvPr>
-        </p:nvSpPr>
-        <p:spPr/>
-      </p:sp>
-      <p:pic>
-        <p:nvPicPr>
-          <p:cNvPr id="5" name="Picture 4"/>
-          <p:cNvPicPr>
-            <a:picLocks noChangeAspect="1"/>
-          </p:cNvPicPr>
-          <p:nvPr/>
-        </p:nvPicPr>
-        <p:blipFill rotWithShape="1">
-          <a:blip r:embed="rId3"/>
-          <a:srcRect b="6293"/>
-          <a:stretch/>
-        </p:blipFill>
-        <p:spPr>
-          <a:xfrm>
-            <a:off x="950467" y="672102"/>
-            <a:ext cx="10331426" cy="4891571"/>
-          </a:xfrm>
-          <a:prstGeom prst="rect">
-            <a:avLst/>
-          </a:prstGeom>
-        </p:spPr>
-      </p:pic>
-    </p:spTree>
-    <p:extLst>
-      <p:ext uri="{BB962C8B-B14F-4D97-AF65-F5344CB8AC3E}">
-        <p14:creationId xmlns:p14="http://schemas.microsoft.com/office/powerpoint/2010/main" val="1069527433"/>
       </p:ext>
     </p:extLst>
   </p:cSld>
